--- a/周记/Week-1 生成模型初探.pptx
+++ b/周记/Week-1 生成模型初探.pptx
@@ -8,7 +8,7 @@
     <p:notesMasterId r:id="rId16"/>
   </p:notesMasterIdLst>
   <p:sldIdLst>
-    <p:sldId id="257" r:id="rId2"/>
+    <p:sldId id="279" r:id="rId2"/>
     <p:sldId id="267" r:id="rId3"/>
     <p:sldId id="268" r:id="rId4"/>
     <p:sldId id="269" r:id="rId5"/>
@@ -221,7 +221,7 @@
           <a:p>
             <a:fld id="{1E5BCEC9-DDE4-4B30-87D6-0017517D5E27}" type="datetimeFigureOut">
               <a:rPr lang="zh-CN" altLang="en-US" smtClean="0"/>
-              <a:t>2023/10/19</a:t>
+              <a:t>2024/2/11</a:t>
             </a:fld>
             <a:endParaRPr lang="zh-CN" altLang="en-US"/>
           </a:p>
@@ -1157,7 +1157,7 @@
                 <a:tabLst/>
                 <a:defRPr/>
               </a:pPr>
-              <a:t>2023/10/19</a:t>
+              <a:t>2024/2/11</a:t>
             </a:fld>
             <a:endParaRPr kumimoji="0" lang="zh-CN" altLang="en-US" sz="1200" b="1" i="0" u="none" strike="noStrike" kern="1200" cap="none" spc="0" normalizeH="0" baseline="0" noProof="0">
               <a:ln>
@@ -1473,7 +1473,7 @@
                 <a:tabLst/>
                 <a:defRPr/>
               </a:pPr>
-              <a:t>2023/10/19</a:t>
+              <a:t>2024/2/11</a:t>
             </a:fld>
             <a:endParaRPr kumimoji="0" lang="zh-CN" altLang="en-US" sz="1200" b="1" i="0" u="none" strike="noStrike" kern="1200" cap="none" spc="0" normalizeH="0" baseline="0" noProof="0">
               <a:ln>
@@ -1986,7 +1986,7 @@
                 <a:tabLst/>
                 <a:defRPr/>
               </a:pPr>
-              <a:t>2023/10/19</a:t>
+              <a:t>2024/2/11</a:t>
             </a:fld>
             <a:endParaRPr kumimoji="0" lang="zh-CN" altLang="en-US" sz="1200" b="1" i="0" u="none" strike="noStrike" kern="1200" cap="none" spc="0" normalizeH="0" baseline="0" noProof="0">
               <a:ln>
@@ -2500,7 +2500,7 @@
                 <a:tabLst/>
                 <a:defRPr/>
               </a:pPr>
-              <a:t>2023/10/19</a:t>
+              <a:t>2024/2/11</a:t>
             </a:fld>
             <a:endParaRPr kumimoji="0" lang="zh-CN" altLang="en-US" sz="1200" b="1" i="0" u="none" strike="noStrike" kern="1200" cap="none" spc="0" normalizeH="0" baseline="0" noProof="0">
               <a:ln>
@@ -2800,7 +2800,7 @@
                 <a:tabLst/>
                 <a:defRPr/>
               </a:pPr>
-              <a:t>2023/10/19</a:t>
+              <a:t>2024/2/11</a:t>
             </a:fld>
             <a:endParaRPr kumimoji="0" lang="zh-CN" altLang="en-US" sz="1200" b="1" i="0" u="none" strike="noStrike" kern="1200" cap="none" spc="0" normalizeH="0" baseline="0" noProof="0">
               <a:ln>
@@ -3087,7 +3087,7 @@
           <a:p>
             <a:fld id="{7FA7C40F-0D87-4C47-A7B0-B93EF7B2BEDD}" type="datetimeFigureOut">
               <a:rPr lang="zh-CN" altLang="en-US" smtClean="0"/>
-              <a:t>2023/10/19</a:t>
+              <a:t>2024/2/11</a:t>
             </a:fld>
             <a:endParaRPr lang="zh-CN" altLang="en-US"/>
           </a:p>
@@ -3316,7 +3316,7 @@
           <a:p>
             <a:fld id="{7FA7C40F-0D87-4C47-A7B0-B93EF7B2BEDD}" type="datetimeFigureOut">
               <a:rPr lang="zh-CN" altLang="en-US" smtClean="0"/>
-              <a:t>2023/10/19</a:t>
+              <a:t>2024/2/11</a:t>
             </a:fld>
             <a:endParaRPr lang="zh-CN" altLang="en-US"/>
           </a:p>
@@ -3578,7 +3578,7 @@
                 <a:tabLst/>
                 <a:defRPr/>
               </a:pPr>
-              <a:t>2023/10/19</a:t>
+              <a:t>2024/2/11</a:t>
             </a:fld>
             <a:endParaRPr kumimoji="0" lang="zh-CN" altLang="en-US" sz="1200" b="1" i="0" u="none" strike="noStrike" kern="1200" cap="none" spc="0" normalizeH="0" baseline="0" noProof="0">
               <a:ln>
@@ -4076,26 +4076,6 @@
 <file path=ppt/slides/slide1.xml><?xml version="1.0" encoding="utf-8"?>
 <p:sld xmlns:a="http://schemas.openxmlformats.org/drawingml/2006/main" xmlns:r="http://schemas.openxmlformats.org/officeDocument/2006/relationships" xmlns:p="http://schemas.openxmlformats.org/presentationml/2006/main">
   <p:cSld>
-    <p:bg>
-      <p:bgPr>
-        <a:blipFill dpi="0" rotWithShape="0">
-          <a:blip r:embed="rId3" cstate="hqprint">
-            <a:alphaModFix amt="40000"/>
-            <a:lum/>
-            <a:extLst>
-              <a:ext uri="{28A0092B-C50C-407E-A947-70E740481C1C}">
-                <a14:useLocalDpi xmlns:a14="http://schemas.microsoft.com/office/drawing/2010/main"/>
-              </a:ext>
-            </a:extLst>
-          </a:blip>
-          <a:srcRect/>
-          <a:stretch>
-            <a:fillRect/>
-          </a:stretch>
-        </a:blipFill>
-        <a:effectLst/>
-      </p:bgPr>
-    </p:bg>
     <p:spTree>
       <p:nvGrpSpPr>
         <p:cNvPr id="1" name=""/>
@@ -4206,12 +4186,30 @@
           </a:xfrm>
         </p:spPr>
         <p:txBody>
-          <a:bodyPr/>
+          <a:bodyPr>
+            <a:normAutofit/>
+          </a:bodyPr>
           <a:lstStyle/>
           <a:p>
             <a:r>
               <a:rPr lang="zh-CN" altLang="en-US" b="1" dirty="0"/>
-              <a:t>生成模型初探</a:t>
+              <a:t>基于</a:t>
+            </a:r>
+            <a:r>
+              <a:rPr lang="en-US" altLang="zh-CN" b="1" dirty="0" err="1"/>
+              <a:t>MindSpore</a:t>
+            </a:r>
+            <a:r>
+              <a:rPr lang="zh-CN" altLang="en-US" b="1" dirty="0"/>
+              <a:t>的</a:t>
+            </a:r>
+            <a:r>
+              <a:rPr lang="en-US" altLang="zh-CN" b="1" dirty="0"/>
+              <a:t>Falcon</a:t>
+            </a:r>
+            <a:r>
+              <a:rPr lang="zh-CN" altLang="en-US" b="1" dirty="0"/>
+              <a:t>大模型迁移与性能研究</a:t>
             </a:r>
           </a:p>
         </p:txBody>
@@ -4225,7 +4223,7 @@
           <p:nvPr/>
         </p:nvPicPr>
         <p:blipFill>
-          <a:blip r:embed="rId4" cstate="screen">
+          <a:blip r:embed="rId3" cstate="screen">
             <a:extLst>
               <a:ext uri="{28A0092B-C50C-407E-A947-70E740481C1C}">
                 <a14:useLocalDpi xmlns:a14="http://schemas.microsoft.com/office/drawing/2010/main"/>
@@ -4285,7 +4283,7 @@
         <p:spPr>
           <a:xfrm>
             <a:off x="4139513" y="6242447"/>
-            <a:ext cx="3912973" cy="615553"/>
+            <a:ext cx="3912973" cy="677108"/>
           </a:xfrm>
           <a:prstGeom prst="rect">
             <a:avLst/>
@@ -4300,33 +4298,109 @@
           <a:p>
             <a:pPr algn="ctr"/>
             <a:r>
-              <a:rPr lang="zh-CN" altLang="en-US" dirty="0">
+              <a:rPr lang="zh-CN" altLang="en-US" sz="2000" dirty="0">
                 <a:latin typeface="+mn-ea"/>
               </a:rPr>
               <a:t>曾子瑄</a:t>
             </a:r>
-            <a:endParaRPr lang="en-US" altLang="zh-CN" dirty="0">
+            <a:endParaRPr lang="en-US" altLang="zh-CN" sz="2000" dirty="0">
               <a:latin typeface="+mn-ea"/>
             </a:endParaRPr>
           </a:p>
           <a:p>
             <a:pPr algn="ctr"/>
             <a:r>
-              <a:rPr lang="en-US" altLang="zh-CN" sz="1600" dirty="0">
+              <a:rPr lang="en-US" altLang="zh-CN">
                 <a:latin typeface="+mn-ea"/>
               </a:rPr>
-              <a:t>2023.10.19</a:t>
-            </a:r>
-            <a:endParaRPr lang="zh-CN" altLang="en-US" sz="1600" dirty="0">
+              <a:t>2023.10.26</a:t>
+            </a:r>
+            <a:endParaRPr lang="zh-CN" altLang="en-US" dirty="0">
               <a:latin typeface="+mn-ea"/>
             </a:endParaRPr>
+          </a:p>
+        </p:txBody>
+      </p:sp>
+      <p:sp>
+        <p:nvSpPr>
+          <p:cNvPr id="3" name="文本框 2">
+            <a:extLst>
+              <a:ext uri="{FF2B5EF4-FFF2-40B4-BE49-F238E27FC236}">
+                <a16:creationId xmlns:a16="http://schemas.microsoft.com/office/drawing/2014/main" id="{71C2EFCD-EFDC-32E5-269A-C40FE3CE6DBB}"/>
+              </a:ext>
+            </a:extLst>
+          </p:cNvPr>
+          <p:cNvSpPr txBox="1"/>
+          <p:nvPr/>
+        </p:nvSpPr>
+        <p:spPr>
+          <a:xfrm>
+            <a:off x="5560341" y="5780782"/>
+            <a:ext cx="1321836" cy="461665"/>
+          </a:xfrm>
+          <a:prstGeom prst="rect">
+            <a:avLst/>
+          </a:prstGeom>
+          <a:noFill/>
+        </p:spPr>
+        <p:txBody>
+          <a:bodyPr wrap="square" rtlCol="0">
+            <a:spAutoFit/>
+          </a:bodyPr>
+          <a:lstStyle/>
+          <a:p>
+            <a:r>
+              <a:rPr lang="en-US" altLang="zh-CN" sz="2400" b="1" dirty="0"/>
+              <a:t>Week 1</a:t>
+            </a:r>
+            <a:endParaRPr lang="zh-CN" altLang="en-US" sz="2400" b="1" dirty="0"/>
+          </a:p>
+        </p:txBody>
+      </p:sp>
+      <p:sp>
+        <p:nvSpPr>
+          <p:cNvPr id="7" name="副标题 2">
+            <a:extLst>
+              <a:ext uri="{FF2B5EF4-FFF2-40B4-BE49-F238E27FC236}">
+                <a16:creationId xmlns:a16="http://schemas.microsoft.com/office/drawing/2014/main" id="{CA41BE9F-F188-9F99-99D2-0C3E30548CCB}"/>
+              </a:ext>
+            </a:extLst>
+          </p:cNvPr>
+          <p:cNvSpPr>
+            <a:spLocks noGrp="1"/>
+          </p:cNvSpPr>
+          <p:nvPr>
+            <p:ph type="subTitle" idx="1"/>
+          </p:nvPr>
+        </p:nvSpPr>
+        <p:spPr>
+          <a:xfrm>
+            <a:off x="1524000" y="4005618"/>
+            <a:ext cx="9144000" cy="1970829"/>
+          </a:xfrm>
+        </p:spPr>
+        <p:txBody>
+          <a:bodyPr>
+            <a:normAutofit/>
+          </a:bodyPr>
+          <a:lstStyle/>
+          <a:p>
+            <a:r>
+              <a:rPr lang="zh-CN" altLang="en-US" sz="2800" dirty="0"/>
+              <a:t>生成模型初探</a:t>
+            </a:r>
+            <a:r>
+              <a:rPr lang="en-US" altLang="zh-CN" sz="2800" dirty="0"/>
+              <a:t>(Stage1)</a:t>
+            </a:r>
+            <a:endParaRPr lang="zh-CN" altLang="en-US" sz="2800" dirty="0"/>
           </a:p>
         </p:txBody>
       </p:sp>
     </p:spTree>
     <p:extLst>
       <p:ext uri="{BB962C8B-B14F-4D97-AF65-F5344CB8AC3E}">
-        <p14:creationId xmlns:p14="http://schemas.microsoft.com/office/powerpoint/2010/main" val="648486646"/>
+        <p14:creationId xmlns:p14="http://schemas.microsoft.com/office/powerpoint/2010/main" val="589744728"/>
       </p:ext>
     </p:extLst>
   </p:cSld>
